--- a/TG1.Agustinrg.pptx
+++ b/TG1.Agustinrg.pptx
@@ -6,7 +6,9 @@
   </p:sldMasterIdLst>
   <p:sldIdLst>
     <p:sldId id="258" r:id="rId2"/>
-    <p:sldId id="259" r:id="rId3"/>
+    <p:sldId id="260" r:id="rId3"/>
+    <p:sldId id="261" r:id="rId4"/>
+    <p:sldId id="262" r:id="rId5"/>
   </p:sldIdLst>
   <p:sldSz cx="12192000" cy="6858000"/>
   <p:notesSz cx="6858000" cy="9144000"/>
@@ -2975,7 +2977,6 @@
               <a:rPr lang="es-ES" dirty="0"/>
               <a:t>6. AYUDAS ECONÓMICAS PARA ESTUDIAR LAS TECNOLOGÍAS</a:t>
             </a:r>
-            <a:endParaRPr lang="es-ES" dirty="0"/>
           </a:p>
         </p:txBody>
       </p:sp>
@@ -2995,7 +2996,7 @@
         </p:blipFill>
         <p:spPr>
           <a:xfrm>
-            <a:off x="378372" y="560639"/>
+            <a:off x="4486141" y="560639"/>
             <a:ext cx="6908006" cy="2571750"/>
           </a:xfrm>
           <a:prstGeom prst="rect">
@@ -3027,6 +3028,35 @@
           </a:prstGeom>
         </p:spPr>
       </p:pic>
+      <p:sp>
+        <p:nvSpPr>
+          <p:cNvPr id="4" name="CuadroTexto 3"/>
+          <p:cNvSpPr txBox="1"/>
+          <p:nvPr/>
+        </p:nvSpPr>
+        <p:spPr>
+          <a:xfrm>
+            <a:off x="478302" y="886265"/>
+            <a:ext cx="2666692" cy="369332"/>
+          </a:xfrm>
+          <a:prstGeom prst="rect">
+            <a:avLst/>
+          </a:prstGeom>
+          <a:noFill/>
+        </p:spPr>
+        <p:txBody>
+          <a:bodyPr wrap="none" rtlCol="0">
+            <a:spAutoFit/>
+          </a:bodyPr>
+          <a:lstStyle/>
+          <a:p>
+            <a:r>
+              <a:rPr lang="es-ES" dirty="0"/>
+              <a:t>A) POR PARTE DEL ESTADO</a:t>
+            </a:r>
+          </a:p>
+        </p:txBody>
+      </p:sp>
     </p:spTree>
     <p:extLst>
       <p:ext uri="{BB962C8B-B14F-4D97-AF65-F5344CB8AC3E}">
@@ -3083,13 +3113,41 @@
               <a:rPr lang="es-ES" dirty="0"/>
               <a:t>6. AYUDAS ECONÓMICAS PARA ESTUDIAR LAS TECNOLOGÍAS</a:t>
             </a:r>
-            <a:endParaRPr lang="es-ES" dirty="0"/>
+          </a:p>
+        </p:txBody>
+      </p:sp>
+      <p:sp>
+        <p:nvSpPr>
+          <p:cNvPr id="4" name="CuadroTexto 3"/>
+          <p:cNvSpPr txBox="1"/>
+          <p:nvPr/>
+        </p:nvSpPr>
+        <p:spPr>
+          <a:xfrm>
+            <a:off x="478302" y="886265"/>
+            <a:ext cx="2170146" cy="369332"/>
+          </a:xfrm>
+          <a:prstGeom prst="rect">
+            <a:avLst/>
+          </a:prstGeom>
+          <a:noFill/>
+        </p:spPr>
+        <p:txBody>
+          <a:bodyPr wrap="none" rtlCol="0">
+            <a:spAutoFit/>
+          </a:bodyPr>
+          <a:lstStyle/>
+          <a:p>
+            <a:r>
+              <a:rPr lang="es-ES" dirty="0"/>
+              <a:t>B) OTRAS ENTIDADES</a:t>
+            </a:r>
           </a:p>
         </p:txBody>
       </p:sp>
       <p:pic>
         <p:nvPicPr>
-          <p:cNvPr id="4" name="Imagen 3"/>
+          <p:cNvPr id="6" name="Imagen 5"/>
           <p:cNvPicPr>
             <a:picLocks noChangeAspect="1"/>
           </p:cNvPicPr>
@@ -3103,7 +3161,7 @@
         </p:blipFill>
         <p:spPr>
           <a:xfrm>
-            <a:off x="4502899" y="392980"/>
+            <a:off x="4545102" y="392980"/>
             <a:ext cx="7379494" cy="3657600"/>
           </a:xfrm>
           <a:prstGeom prst="rect">
@@ -3113,7 +3171,7 @@
       </p:pic>
       <p:pic>
         <p:nvPicPr>
-          <p:cNvPr id="6" name="Imagen 5"/>
+          <p:cNvPr id="7" name="Imagen 6"/>
           <p:cNvPicPr>
             <a:picLocks noChangeAspect="1"/>
           </p:cNvPicPr>
@@ -3141,7 +3199,327 @@
     </p:spTree>
     <p:extLst>
       <p:ext uri="{BB962C8B-B14F-4D97-AF65-F5344CB8AC3E}">
-        <p14:creationId xmlns:p14="http://schemas.microsoft.com/office/powerpoint/2010/main" val="3249176889"/>
+        <p14:creationId xmlns:p14="http://schemas.microsoft.com/office/powerpoint/2010/main" val="1890213605"/>
+      </p:ext>
+    </p:extLst>
+  </p:cSld>
+  <p:clrMapOvr>
+    <a:masterClrMapping/>
+  </p:clrMapOvr>
+</p:sld>
+</file>
+
+<file path=ppt/slides/slide3.xml><?xml version="1.0" encoding="utf-8"?>
+<p:sld xmlns:a="http://schemas.openxmlformats.org/drawingml/2006/main" xmlns:r="http://schemas.openxmlformats.org/officeDocument/2006/relationships" xmlns:p="http://schemas.openxmlformats.org/presentationml/2006/main">
+  <p:cSld>
+    <p:spTree>
+      <p:nvGrpSpPr>
+        <p:cNvPr id="1" name=""/>
+        <p:cNvGrpSpPr/>
+        <p:nvPr/>
+      </p:nvGrpSpPr>
+      <p:grpSpPr>
+        <a:xfrm>
+          <a:off x="0" y="0"/>
+          <a:ext cx="0" cy="0"/>
+          <a:chOff x="0" y="0"/>
+          <a:chExt cx="0" cy="0"/>
+        </a:xfrm>
+      </p:grpSpPr>
+      <p:sp>
+        <p:nvSpPr>
+          <p:cNvPr id="5" name="CuadroTexto 4"/>
+          <p:cNvSpPr txBox="1"/>
+          <p:nvPr/>
+        </p:nvSpPr>
+        <p:spPr>
+          <a:xfrm>
+            <a:off x="378372" y="23648"/>
+            <a:ext cx="6061842" cy="369332"/>
+          </a:xfrm>
+          <a:prstGeom prst="rect">
+            <a:avLst/>
+          </a:prstGeom>
+          <a:noFill/>
+        </p:spPr>
+        <p:txBody>
+          <a:bodyPr wrap="square" rtlCol="0">
+            <a:spAutoFit/>
+          </a:bodyPr>
+          <a:lstStyle/>
+          <a:p>
+            <a:r>
+              <a:rPr lang="es-ES" dirty="0"/>
+              <a:t>7. RECURSOS PARA IMPLEMENTAR LAS TECNOLOGÍAS</a:t>
+            </a:r>
+          </a:p>
+        </p:txBody>
+      </p:sp>
+      <p:sp>
+        <p:nvSpPr>
+          <p:cNvPr id="4" name="CuadroTexto 3"/>
+          <p:cNvSpPr txBox="1"/>
+          <p:nvPr/>
+        </p:nvSpPr>
+        <p:spPr>
+          <a:xfrm>
+            <a:off x="478302" y="886265"/>
+            <a:ext cx="1420645" cy="369332"/>
+          </a:xfrm>
+          <a:prstGeom prst="rect">
+            <a:avLst/>
+          </a:prstGeom>
+          <a:noFill/>
+        </p:spPr>
+        <p:txBody>
+          <a:bodyPr wrap="none" rtlCol="0">
+            <a:spAutoFit/>
+          </a:bodyPr>
+          <a:lstStyle/>
+          <a:p>
+            <a:r>
+              <a:rPr lang="es-ES" dirty="0"/>
+              <a:t>A) SKETCHUP</a:t>
+            </a:r>
+          </a:p>
+        </p:txBody>
+      </p:sp>
+      <p:pic>
+        <p:nvPicPr>
+          <p:cNvPr id="2" name="Imagen 1"/>
+          <p:cNvPicPr>
+            <a:picLocks noChangeAspect="1"/>
+          </p:cNvPicPr>
+          <p:nvPr/>
+        </p:nvPicPr>
+        <p:blipFill>
+          <a:blip r:embed="rId2"/>
+          <a:stretch>
+            <a:fillRect/>
+          </a:stretch>
+        </p:blipFill>
+        <p:spPr>
+          <a:xfrm>
+            <a:off x="478302" y="1470824"/>
+            <a:ext cx="6500813" cy="2674620"/>
+          </a:xfrm>
+          <a:prstGeom prst="rect">
+            <a:avLst/>
+          </a:prstGeom>
+        </p:spPr>
+      </p:pic>
+      <p:pic>
+        <p:nvPicPr>
+          <p:cNvPr id="3" name="Imagen 2"/>
+          <p:cNvPicPr>
+            <a:picLocks noChangeAspect="1"/>
+          </p:cNvPicPr>
+          <p:nvPr/>
+        </p:nvPicPr>
+        <p:blipFill>
+          <a:blip r:embed="rId3"/>
+          <a:stretch>
+            <a:fillRect/>
+          </a:stretch>
+        </p:blipFill>
+        <p:spPr>
+          <a:xfrm>
+            <a:off x="1646215" y="4360671"/>
+            <a:ext cx="3526155" cy="2348865"/>
+          </a:xfrm>
+          <a:prstGeom prst="rect">
+            <a:avLst/>
+          </a:prstGeom>
+        </p:spPr>
+      </p:pic>
+      <p:pic>
+        <p:nvPicPr>
+          <p:cNvPr id="8" name="Imagen 7"/>
+          <p:cNvPicPr>
+            <a:picLocks noChangeAspect="1"/>
+          </p:cNvPicPr>
+          <p:nvPr/>
+        </p:nvPicPr>
+        <p:blipFill>
+          <a:blip r:embed="rId4"/>
+          <a:stretch>
+            <a:fillRect/>
+          </a:stretch>
+        </p:blipFill>
+        <p:spPr>
+          <a:xfrm>
+            <a:off x="6058633" y="1183112"/>
+            <a:ext cx="5534978" cy="3101816"/>
+          </a:xfrm>
+          <a:prstGeom prst="rect">
+            <a:avLst/>
+          </a:prstGeom>
+        </p:spPr>
+      </p:pic>
+      <p:pic>
+        <p:nvPicPr>
+          <p:cNvPr id="9" name="Imagen 8"/>
+          <p:cNvPicPr>
+            <a:picLocks noChangeAspect="1"/>
+          </p:cNvPicPr>
+          <p:nvPr/>
+        </p:nvPicPr>
+        <p:blipFill>
+          <a:blip r:embed="rId5"/>
+          <a:stretch>
+            <a:fillRect/>
+          </a:stretch>
+        </p:blipFill>
+        <p:spPr>
+          <a:xfrm>
+            <a:off x="7269042" y="4360671"/>
+            <a:ext cx="3773805" cy="3353753"/>
+          </a:xfrm>
+          <a:prstGeom prst="rect">
+            <a:avLst/>
+          </a:prstGeom>
+        </p:spPr>
+      </p:pic>
+    </p:spTree>
+    <p:extLst>
+      <p:ext uri="{BB962C8B-B14F-4D97-AF65-F5344CB8AC3E}">
+        <p14:creationId xmlns:p14="http://schemas.microsoft.com/office/powerpoint/2010/main" val="2634247056"/>
+      </p:ext>
+    </p:extLst>
+  </p:cSld>
+  <p:clrMapOvr>
+    <a:masterClrMapping/>
+  </p:clrMapOvr>
+</p:sld>
+</file>
+
+<file path=ppt/slides/slide4.xml><?xml version="1.0" encoding="utf-8"?>
+<p:sld xmlns:a="http://schemas.openxmlformats.org/drawingml/2006/main" xmlns:r="http://schemas.openxmlformats.org/officeDocument/2006/relationships" xmlns:p="http://schemas.openxmlformats.org/presentationml/2006/main">
+  <p:cSld>
+    <p:spTree>
+      <p:nvGrpSpPr>
+        <p:cNvPr id="1" name=""/>
+        <p:cNvGrpSpPr/>
+        <p:nvPr/>
+      </p:nvGrpSpPr>
+      <p:grpSpPr>
+        <a:xfrm>
+          <a:off x="0" y="0"/>
+          <a:ext cx="0" cy="0"/>
+          <a:chOff x="0" y="0"/>
+          <a:chExt cx="0" cy="0"/>
+        </a:xfrm>
+      </p:grpSpPr>
+      <p:sp>
+        <p:nvSpPr>
+          <p:cNvPr id="5" name="CuadroTexto 4"/>
+          <p:cNvSpPr txBox="1"/>
+          <p:nvPr/>
+        </p:nvSpPr>
+        <p:spPr>
+          <a:xfrm>
+            <a:off x="378372" y="23648"/>
+            <a:ext cx="6061842" cy="369332"/>
+          </a:xfrm>
+          <a:prstGeom prst="rect">
+            <a:avLst/>
+          </a:prstGeom>
+          <a:noFill/>
+        </p:spPr>
+        <p:txBody>
+          <a:bodyPr wrap="square" rtlCol="0">
+            <a:spAutoFit/>
+          </a:bodyPr>
+          <a:lstStyle/>
+          <a:p>
+            <a:r>
+              <a:rPr lang="es-ES" dirty="0"/>
+              <a:t>7. RECURSOS PARA IMPLEMENTAR LAS TECNOLOGÍAS</a:t>
+            </a:r>
+          </a:p>
+        </p:txBody>
+      </p:sp>
+      <p:sp>
+        <p:nvSpPr>
+          <p:cNvPr id="4" name="CuadroTexto 3"/>
+          <p:cNvSpPr txBox="1"/>
+          <p:nvPr/>
+        </p:nvSpPr>
+        <p:spPr>
+          <a:xfrm>
+            <a:off x="478302" y="886265"/>
+            <a:ext cx="1305165" cy="369332"/>
+          </a:xfrm>
+          <a:prstGeom prst="rect">
+            <a:avLst/>
+          </a:prstGeom>
+          <a:noFill/>
+        </p:spPr>
+        <p:txBody>
+          <a:bodyPr wrap="none" rtlCol="0">
+            <a:spAutoFit/>
+          </a:bodyPr>
+          <a:lstStyle/>
+          <a:p>
+            <a:r>
+              <a:rPr lang="es-ES" dirty="0"/>
+              <a:t>B) BLENDER</a:t>
+            </a:r>
+          </a:p>
+        </p:txBody>
+      </p:sp>
+      <p:pic>
+        <p:nvPicPr>
+          <p:cNvPr id="6" name="Imagen 5"/>
+          <p:cNvPicPr>
+            <a:picLocks noChangeAspect="1"/>
+          </p:cNvPicPr>
+          <p:nvPr/>
+        </p:nvPicPr>
+        <p:blipFill>
+          <a:blip r:embed="rId2"/>
+          <a:stretch>
+            <a:fillRect/>
+          </a:stretch>
+        </p:blipFill>
+        <p:spPr>
+          <a:xfrm>
+            <a:off x="2038504" y="1255597"/>
+            <a:ext cx="7439025" cy="3152775"/>
+          </a:xfrm>
+          <a:prstGeom prst="rect">
+            <a:avLst/>
+          </a:prstGeom>
+        </p:spPr>
+      </p:pic>
+      <p:pic>
+        <p:nvPicPr>
+          <p:cNvPr id="7" name="Imagen 6"/>
+          <p:cNvPicPr>
+            <a:picLocks noChangeAspect="1"/>
+          </p:cNvPicPr>
+          <p:nvPr/>
+        </p:nvPicPr>
+        <p:blipFill>
+          <a:blip r:embed="rId3"/>
+          <a:stretch>
+            <a:fillRect/>
+          </a:stretch>
+        </p:blipFill>
+        <p:spPr>
+          <a:xfrm>
+            <a:off x="2236147" y="886265"/>
+            <a:ext cx="7043738" cy="4574381"/>
+          </a:xfrm>
+          <a:prstGeom prst="rect">
+            <a:avLst/>
+          </a:prstGeom>
+        </p:spPr>
+      </p:pic>
+    </p:spTree>
+    <p:extLst>
+      <p:ext uri="{BB962C8B-B14F-4D97-AF65-F5344CB8AC3E}">
+        <p14:creationId xmlns:p14="http://schemas.microsoft.com/office/powerpoint/2010/main" val="1391955140"/>
       </p:ext>
     </p:extLst>
   </p:cSld>
